--- a/assets/Presentation.pptx
+++ b/assets/Presentation.pptx
@@ -157,7 +157,7 @@
 
 <file path=ppt/comments/modernComment_105_718DCE8C.xml><?xml version="1.0" encoding="utf-8"?>
 <p188:cmLst xmlns:a="http://schemas.openxmlformats.org/drawingml/2006/main" xmlns:r="http://schemas.openxmlformats.org/officeDocument/2006/relationships" xmlns:p188="http://schemas.microsoft.com/office/powerpoint/2018/8/main">
-  <p188:cm id="{C04B076E-59C6-D241-8104-9A2BDDFE0FDC}" authorId="{EAFF25FF-F61B-27ED-70A4-602F4494A0B0}" created="2024-05-18T02:54:16.083">
+  <p188:cm id="{C04B076E-59C6-D241-8104-9A2BDDFE0FDC}" authorId="{EAFF25FF-F61B-27ED-70A4-602F4494A0B0}" status="resolved" created="2024-05-18T02:54:16.083" complete="100000">
     <ac:deMkLst xmlns:ac="http://schemas.microsoft.com/office/drawing/2013/main/command">
       <pc:docMk xmlns:pc="http://schemas.microsoft.com/office/powerpoint/2013/main/command"/>
       <pc:sldMk xmlns:pc="http://schemas.microsoft.com/office/powerpoint/2013/main/command" cId="1905118860" sldId="261"/>
@@ -14773,7 +14773,7 @@
         <p:spPr bwMode="auto">
           <a:xfrm>
             <a:off x="5945695" y="951235"/>
-            <a:ext cx="6366933" cy="3581400"/>
+            <a:ext cx="6125657" cy="3581400"/>
           </a:xfrm>
           <a:prstGeom prst="rect">
             <a:avLst/>
